--- a/Notes/WEB TECHNOLOGY.pptx
+++ b/Notes/WEB TECHNOLOGY.pptx
@@ -162,6 +162,35 @@
 </p:presentation>
 </file>
 
+<file path=ppt/changesInfos/changesInfo1.xml><?xml version="1.0" encoding="utf-8"?>
+<pc:chgInfo xmlns:a="http://schemas.openxmlformats.org/drawingml/2006/main" xmlns:r="http://schemas.openxmlformats.org/officeDocument/2006/relationships" xmlns:ac="http://schemas.microsoft.com/office/drawing/2013/main/command" xmlns:pc="http://schemas.microsoft.com/office/powerpoint/2013/main/command">
+  <pc:docChgLst>
+    <pc:chgData name="HARSHITA LOKESH T" userId="a1b3769e61f0db76" providerId="LiveId" clId="{8D777AD1-733D-49C1-A811-237FA9DE55D1}"/>
+    <pc:docChg chg="modSld">
+      <pc:chgData name="HARSHITA LOKESH T" userId="a1b3769e61f0db76" providerId="LiveId" clId="{8D777AD1-733D-49C1-A811-237FA9DE55D1}" dt="2025-12-03T17:49:37.394" v="4" actId="20577"/>
+      <pc:docMkLst>
+        <pc:docMk/>
+      </pc:docMkLst>
+      <pc:sldChg chg="modSp mod">
+        <pc:chgData name="HARSHITA LOKESH T" userId="a1b3769e61f0db76" providerId="LiveId" clId="{8D777AD1-733D-49C1-A811-237FA9DE55D1}" dt="2025-12-03T17:49:37.394" v="4" actId="20577"/>
+        <pc:sldMkLst>
+          <pc:docMk/>
+          <pc:sldMk cId="0" sldId="280"/>
+        </pc:sldMkLst>
+        <pc:spChg chg="mod">
+          <ac:chgData name="HARSHITA LOKESH T" userId="a1b3769e61f0db76" providerId="LiveId" clId="{8D777AD1-733D-49C1-A811-237FA9DE55D1}" dt="2025-12-03T17:49:37.394" v="4" actId="20577"/>
+          <ac:spMkLst>
+            <pc:docMk/>
+            <pc:sldMk cId="0" sldId="280"/>
+            <ac:spMk id="3" creationId="{00000000-0000-0000-0000-000000000000}"/>
+          </ac:spMkLst>
+        </pc:spChg>
+      </pc:sldChg>
+    </pc:docChg>
+  </pc:docChgLst>
+</pc:chgInfo>
+</file>
+
 <file path=ppt/notesMasters/notesMaster1.xml><?xml version="1.0" encoding="utf-8"?>
 <p:notesMaster xmlns:a="http://schemas.openxmlformats.org/drawingml/2006/main" xmlns:r="http://schemas.openxmlformats.org/officeDocument/2006/relationships" xmlns:p="http://schemas.openxmlformats.org/presentationml/2006/main">
   <p:cSld>
@@ -244,7 +273,7 @@
           <a:p>
             <a:fld id="{A3775330-6B7A-4DF6-999B-48E7DAB7ADBA}" type="datetimeFigureOut">
               <a:rPr lang="en-IN" smtClean="0"/>
-              <a:t>08-09-2025</a:t>
+              <a:t>03-12-2025</a:t>
             </a:fld>
             <a:endParaRPr lang="en-IN"/>
           </a:p>
@@ -732,7 +761,7 @@
             <a:fld id="{4658DB46-E090-482C-93B0-09E698810915}" type="datetimeFigureOut">
               <a:rPr lang="en-US" smtClean="0"/>
               <a:pPr/>
-              <a:t>9/8/2025</a:t>
+              <a:t>12/3/2025</a:t>
             </a:fld>
             <a:endParaRPr lang="en-US"/>
           </a:p>
@@ -1602,7 +1631,7 @@
             <a:fld id="{4658DB46-E090-482C-93B0-09E698810915}" type="datetimeFigureOut">
               <a:rPr lang="en-US" smtClean="0"/>
               <a:pPr/>
-              <a:t>9/8/2025</a:t>
+              <a:t>12/3/2025</a:t>
             </a:fld>
             <a:endParaRPr lang="en-US"/>
           </a:p>
@@ -1778,7 +1807,7 @@
             <a:fld id="{4658DB46-E090-482C-93B0-09E698810915}" type="datetimeFigureOut">
               <a:rPr lang="en-US" smtClean="0"/>
               <a:pPr/>
-              <a:t>9/8/2025</a:t>
+              <a:t>12/3/2025</a:t>
             </a:fld>
             <a:endParaRPr lang="en-US"/>
           </a:p>
@@ -1949,7 +1978,7 @@
             <a:fld id="{4658DB46-E090-482C-93B0-09E698810915}" type="datetimeFigureOut">
               <a:rPr lang="en-US" smtClean="0"/>
               <a:pPr/>
-              <a:t>9/8/2025</a:t>
+              <a:t>12/3/2025</a:t>
             </a:fld>
             <a:endParaRPr lang="en-US"/>
           </a:p>
@@ -2160,7 +2189,7 @@
             <a:fld id="{4658DB46-E090-482C-93B0-09E698810915}" type="datetimeFigureOut">
               <a:rPr lang="en-US" smtClean="0"/>
               <a:pPr/>
-              <a:t>9/8/2025</a:t>
+              <a:t>12/3/2025</a:t>
             </a:fld>
             <a:endParaRPr lang="en-US"/>
           </a:p>
@@ -2975,7 +3004,7 @@
             <a:fld id="{4658DB46-E090-482C-93B0-09E698810915}" type="datetimeFigureOut">
               <a:rPr lang="en-US" smtClean="0"/>
               <a:pPr/>
-              <a:t>9/8/2025</a:t>
+              <a:t>12/3/2025</a:t>
             </a:fld>
             <a:endParaRPr lang="en-US"/>
           </a:p>
@@ -3212,7 +3241,7 @@
             <a:fld id="{4658DB46-E090-482C-93B0-09E698810915}" type="datetimeFigureOut">
               <a:rPr lang="en-US" smtClean="0"/>
               <a:pPr/>
-              <a:t>9/8/2025</a:t>
+              <a:t>12/3/2025</a:t>
             </a:fld>
             <a:endParaRPr lang="en-US"/>
           </a:p>
@@ -3536,7 +3565,7 @@
             <a:fld id="{4658DB46-E090-482C-93B0-09E698810915}" type="datetimeFigureOut">
               <a:rPr lang="en-US" smtClean="0"/>
               <a:pPr/>
-              <a:t>9/8/2025</a:t>
+              <a:t>12/3/2025</a:t>
             </a:fld>
             <a:endParaRPr lang="en-US"/>
           </a:p>
@@ -3628,7 +3657,7 @@
             <a:fld id="{4658DB46-E090-482C-93B0-09E698810915}" type="datetimeFigureOut">
               <a:rPr lang="en-US" smtClean="0"/>
               <a:pPr/>
-              <a:t>9/8/2025</a:t>
+              <a:t>12/3/2025</a:t>
             </a:fld>
             <a:endParaRPr lang="en-US"/>
           </a:p>
@@ -4146,7 +4175,7 @@
             <a:fld id="{4658DB46-E090-482C-93B0-09E698810915}" type="datetimeFigureOut">
               <a:rPr lang="en-US" smtClean="0"/>
               <a:pPr/>
-              <a:t>9/8/2025</a:t>
+              <a:t>12/3/2025</a:t>
             </a:fld>
             <a:endParaRPr lang="en-US"/>
           </a:p>
@@ -4658,7 +4687,7 @@
             <a:fld id="{4658DB46-E090-482C-93B0-09E698810915}" type="datetimeFigureOut">
               <a:rPr lang="en-US" smtClean="0"/>
               <a:pPr/>
-              <a:t>9/8/2025</a:t>
+              <a:t>12/3/2025</a:t>
             </a:fld>
             <a:endParaRPr lang="en-US"/>
           </a:p>
@@ -4903,7 +4932,7 @@
             <a:fld id="{4658DB46-E090-482C-93B0-09E698810915}" type="datetimeFigureOut">
               <a:rPr lang="en-US" smtClean="0"/>
               <a:pPr/>
-              <a:t>9/8/2025</a:t>
+              <a:t>12/3/2025</a:t>
             </a:fld>
             <a:endParaRPr lang="en-US"/>
           </a:p>
@@ -7062,25 +7091,25 @@
             </a:r>
             <a:r>
               <a:rPr lang="en-US" b="1" dirty="0"/>
+              <a:t>semantic</a:t>
+            </a:r>
+            <a:r>
+              <a:rPr lang="en-US" dirty="0"/>
+              <a:t> elements: &lt;form&gt;, &lt;table&gt;, and &lt;article&gt; - Clearly defines its content</a:t>
+            </a:r>
+          </a:p>
+          <a:p>
+            <a:r>
+              <a:rPr lang="en-US" dirty="0"/>
+              <a:t>Examples of </a:t>
+            </a:r>
+            <a:r>
+              <a:rPr lang="en-US" b="1" dirty="0"/>
               <a:t>non-semantic</a:t>
             </a:r>
             <a:r>
               <a:rPr lang="en-US" dirty="0"/>
               <a:t> elements: &lt;div&gt; and &lt;span&gt; - Tells nothing about its content.</a:t>
-            </a:r>
-          </a:p>
-          <a:p>
-            <a:r>
-              <a:rPr lang="en-US" dirty="0"/>
-              <a:t>Examples of </a:t>
-            </a:r>
-            <a:r>
-              <a:rPr lang="en-US" b="1" dirty="0"/>
-              <a:t>semantic</a:t>
-            </a:r>
-            <a:r>
-              <a:rPr lang="en-US" dirty="0"/>
-              <a:t> elements: &lt;form&gt;, &lt;table&gt;, and &lt;article&gt; - Clearly defines its content</a:t>
             </a:r>
           </a:p>
           <a:p>
